--- a/PPT/CG_shorts_0001_CPP_STL_Vector_assign.pptx
+++ b/PPT/CG_shorts_0001_CPP_STL_Vector_assign.pptx
@@ -127,6 +127,11 @@
       </a:defRPr>
     </a:lvl9pPr>
   </p:defaultTextStyle>
+  <p:extLst>
+    <p:ext uri="{EFAFB233-063F-42B5-8137-9DF3F51BA10A}">
+      <p15:sldGuideLst xmlns:p15="http://schemas.microsoft.com/office/powerpoint/2012/main"/>
+    </p:ext>
+  </p:extLst>
 </p:presentation>
 </file>
 
@@ -1014,7 +1019,7 @@
           <a:p>
             <a:fld id="{38CA293C-950F-4950-8782-64A433F2B6EC}" type="datetimeFigureOut">
               <a:rPr lang="en-IN" smtClean="0"/>
-              <a:t>14-02-2025</a:t>
+              <a:t>18-02-2025</a:t>
             </a:fld>
             <a:endParaRPr lang="en-IN"/>
           </a:p>
@@ -1072,13 +1077,13 @@
   <p:clrMapOvr>
     <a:masterClrMapping/>
   </p:clrMapOvr>
-  <mc:AlternateContent xmlns:mc="http://schemas.openxmlformats.org/markup-compatibility/2006">
-    <mc:Choice xmlns:p159="http://schemas.microsoft.com/office/powerpoint/2015/09/main" Requires="p159">
+  <mc:AlternateContent xmlns:mc="http://schemas.openxmlformats.org/markup-compatibility/2006" xmlns:p159="http://schemas.microsoft.com/office/powerpoint/2015/09/main">
+    <mc:Choice Requires="p159">
       <p:transition xmlns:p14="http://schemas.microsoft.com/office/powerpoint/2010/main" p14:dur="250">
         <p159:morph option="byObject"/>
       </p:transition>
     </mc:Choice>
-    <mc:Fallback>
+    <mc:Fallback xmlns="">
       <p:transition>
         <p:fade/>
       </p:transition>
@@ -1196,7 +1201,7 @@
           <a:p>
             <a:fld id="{38CA293C-950F-4950-8782-64A433F2B6EC}" type="datetimeFigureOut">
               <a:rPr lang="en-IN" smtClean="0"/>
-              <a:t>14-02-2025</a:t>
+              <a:t>18-02-2025</a:t>
             </a:fld>
             <a:endParaRPr lang="en-IN"/>
           </a:p>
@@ -1254,13 +1259,13 @@
   <p:clrMapOvr>
     <a:masterClrMapping/>
   </p:clrMapOvr>
-  <mc:AlternateContent xmlns:mc="http://schemas.openxmlformats.org/markup-compatibility/2006">
-    <mc:Choice xmlns:p159="http://schemas.microsoft.com/office/powerpoint/2015/09/main" Requires="p159">
+  <mc:AlternateContent xmlns:mc="http://schemas.openxmlformats.org/markup-compatibility/2006" xmlns:p159="http://schemas.microsoft.com/office/powerpoint/2015/09/main">
+    <mc:Choice Requires="p159">
       <p:transition xmlns:p14="http://schemas.microsoft.com/office/powerpoint/2010/main" p14:dur="250">
         <p159:morph option="byObject"/>
       </p:transition>
     </mc:Choice>
-    <mc:Fallback>
+    <mc:Fallback xmlns="">
       <p:transition>
         <p:fade/>
       </p:transition>
@@ -1388,7 +1393,7 @@
           <a:p>
             <a:fld id="{38CA293C-950F-4950-8782-64A433F2B6EC}" type="datetimeFigureOut">
               <a:rPr lang="en-IN" smtClean="0"/>
-              <a:t>14-02-2025</a:t>
+              <a:t>18-02-2025</a:t>
             </a:fld>
             <a:endParaRPr lang="en-IN"/>
           </a:p>
@@ -1446,13 +1451,13 @@
   <p:clrMapOvr>
     <a:masterClrMapping/>
   </p:clrMapOvr>
-  <mc:AlternateContent xmlns:mc="http://schemas.openxmlformats.org/markup-compatibility/2006">
-    <mc:Choice xmlns:p159="http://schemas.microsoft.com/office/powerpoint/2015/09/main" Requires="p159">
+  <mc:AlternateContent xmlns:mc="http://schemas.openxmlformats.org/markup-compatibility/2006" xmlns:p159="http://schemas.microsoft.com/office/powerpoint/2015/09/main">
+    <mc:Choice Requires="p159">
       <p:transition xmlns:p14="http://schemas.microsoft.com/office/powerpoint/2010/main" p14:dur="250">
         <p159:morph option="byObject"/>
       </p:transition>
     </mc:Choice>
-    <mc:Fallback>
+    <mc:Fallback xmlns="">
       <p:transition>
         <p:fade/>
       </p:transition>
@@ -1570,7 +1575,7 @@
           <a:p>
             <a:fld id="{38CA293C-950F-4950-8782-64A433F2B6EC}" type="datetimeFigureOut">
               <a:rPr lang="en-IN" smtClean="0"/>
-              <a:t>14-02-2025</a:t>
+              <a:t>18-02-2025</a:t>
             </a:fld>
             <a:endParaRPr lang="en-IN"/>
           </a:p>
@@ -1628,13 +1633,13 @@
   <p:clrMapOvr>
     <a:masterClrMapping/>
   </p:clrMapOvr>
-  <mc:AlternateContent xmlns:mc="http://schemas.openxmlformats.org/markup-compatibility/2006">
-    <mc:Choice xmlns:p159="http://schemas.microsoft.com/office/powerpoint/2015/09/main" Requires="p159">
+  <mc:AlternateContent xmlns:mc="http://schemas.openxmlformats.org/markup-compatibility/2006" xmlns:p159="http://schemas.microsoft.com/office/powerpoint/2015/09/main">
+    <mc:Choice Requires="p159">
       <p:transition xmlns:p14="http://schemas.microsoft.com/office/powerpoint/2010/main" p14:dur="250">
         <p159:morph option="byObject"/>
       </p:transition>
     </mc:Choice>
-    <mc:Fallback>
+    <mc:Fallback xmlns="">
       <p:transition>
         <p:fade/>
       </p:transition>
@@ -1828,7 +1833,7 @@
           <a:p>
             <a:fld id="{38CA293C-950F-4950-8782-64A433F2B6EC}" type="datetimeFigureOut">
               <a:rPr lang="en-IN" smtClean="0"/>
-              <a:t>14-02-2025</a:t>
+              <a:t>18-02-2025</a:t>
             </a:fld>
             <a:endParaRPr lang="en-IN"/>
           </a:p>
@@ -1886,13 +1891,13 @@
   <p:clrMapOvr>
     <a:masterClrMapping/>
   </p:clrMapOvr>
-  <mc:AlternateContent xmlns:mc="http://schemas.openxmlformats.org/markup-compatibility/2006">
-    <mc:Choice xmlns:p159="http://schemas.microsoft.com/office/powerpoint/2015/09/main" Requires="p159">
+  <mc:AlternateContent xmlns:mc="http://schemas.openxmlformats.org/markup-compatibility/2006" xmlns:p159="http://schemas.microsoft.com/office/powerpoint/2015/09/main">
+    <mc:Choice Requires="p159">
       <p:transition xmlns:p14="http://schemas.microsoft.com/office/powerpoint/2010/main" p14:dur="250">
         <p159:morph option="byObject"/>
       </p:transition>
     </mc:Choice>
-    <mc:Fallback>
+    <mc:Fallback xmlns="">
       <p:transition>
         <p:fade/>
       </p:transition>
@@ -2072,7 +2077,7 @@
           <a:p>
             <a:fld id="{38CA293C-950F-4950-8782-64A433F2B6EC}" type="datetimeFigureOut">
               <a:rPr lang="en-IN" smtClean="0"/>
-              <a:t>14-02-2025</a:t>
+              <a:t>18-02-2025</a:t>
             </a:fld>
             <a:endParaRPr lang="en-IN"/>
           </a:p>
@@ -2130,13 +2135,13 @@
   <p:clrMapOvr>
     <a:masterClrMapping/>
   </p:clrMapOvr>
-  <mc:AlternateContent xmlns:mc="http://schemas.openxmlformats.org/markup-compatibility/2006">
-    <mc:Choice xmlns:p159="http://schemas.microsoft.com/office/powerpoint/2015/09/main" Requires="p159">
+  <mc:AlternateContent xmlns:mc="http://schemas.openxmlformats.org/markup-compatibility/2006" xmlns:p159="http://schemas.microsoft.com/office/powerpoint/2015/09/main">
+    <mc:Choice Requires="p159">
       <p:transition xmlns:p14="http://schemas.microsoft.com/office/powerpoint/2010/main" p14:dur="250">
         <p159:morph option="byObject"/>
       </p:transition>
     </mc:Choice>
-    <mc:Fallback>
+    <mc:Fallback xmlns="">
       <p:transition>
         <p:fade/>
       </p:transition>
@@ -2451,7 +2456,7 @@
           <a:p>
             <a:fld id="{38CA293C-950F-4950-8782-64A433F2B6EC}" type="datetimeFigureOut">
               <a:rPr lang="en-IN" smtClean="0"/>
-              <a:t>14-02-2025</a:t>
+              <a:t>18-02-2025</a:t>
             </a:fld>
             <a:endParaRPr lang="en-IN"/>
           </a:p>
@@ -2509,13 +2514,13 @@
   <p:clrMapOvr>
     <a:masterClrMapping/>
   </p:clrMapOvr>
-  <mc:AlternateContent xmlns:mc="http://schemas.openxmlformats.org/markup-compatibility/2006">
-    <mc:Choice xmlns:p159="http://schemas.microsoft.com/office/powerpoint/2015/09/main" Requires="p159">
+  <mc:AlternateContent xmlns:mc="http://schemas.openxmlformats.org/markup-compatibility/2006" xmlns:p159="http://schemas.microsoft.com/office/powerpoint/2015/09/main">
+    <mc:Choice Requires="p159">
       <p:transition xmlns:p14="http://schemas.microsoft.com/office/powerpoint/2010/main" p14:dur="250">
         <p159:morph option="byObject"/>
       </p:transition>
     </mc:Choice>
-    <mc:Fallback>
+    <mc:Fallback xmlns="">
       <p:transition>
         <p:fade/>
       </p:transition>
@@ -2581,7 +2586,7 @@
           <a:p>
             <a:fld id="{38CA293C-950F-4950-8782-64A433F2B6EC}" type="datetimeFigureOut">
               <a:rPr lang="en-IN" smtClean="0"/>
-              <a:t>14-02-2025</a:t>
+              <a:t>18-02-2025</a:t>
             </a:fld>
             <a:endParaRPr lang="en-IN"/>
           </a:p>
@@ -2639,13 +2644,13 @@
   <p:clrMapOvr>
     <a:masterClrMapping/>
   </p:clrMapOvr>
-  <mc:AlternateContent xmlns:mc="http://schemas.openxmlformats.org/markup-compatibility/2006">
-    <mc:Choice xmlns:p159="http://schemas.microsoft.com/office/powerpoint/2015/09/main" Requires="p159">
+  <mc:AlternateContent xmlns:mc="http://schemas.openxmlformats.org/markup-compatibility/2006" xmlns:p159="http://schemas.microsoft.com/office/powerpoint/2015/09/main">
+    <mc:Choice Requires="p159">
       <p:transition xmlns:p14="http://schemas.microsoft.com/office/powerpoint/2010/main" p14:dur="250">
         <p159:morph option="byObject"/>
       </p:transition>
     </mc:Choice>
-    <mc:Fallback>
+    <mc:Fallback xmlns="">
       <p:transition>
         <p:fade/>
       </p:transition>
@@ -2688,7 +2693,7 @@
           <a:p>
             <a:fld id="{38CA293C-950F-4950-8782-64A433F2B6EC}" type="datetimeFigureOut">
               <a:rPr lang="en-IN" smtClean="0"/>
-              <a:t>14-02-2025</a:t>
+              <a:t>18-02-2025</a:t>
             </a:fld>
             <a:endParaRPr lang="en-IN"/>
           </a:p>
@@ -2746,13 +2751,13 @@
   <p:clrMapOvr>
     <a:masterClrMapping/>
   </p:clrMapOvr>
-  <mc:AlternateContent xmlns:mc="http://schemas.openxmlformats.org/markup-compatibility/2006">
-    <mc:Choice xmlns:p159="http://schemas.microsoft.com/office/powerpoint/2015/09/main" Requires="p159">
+  <mc:AlternateContent xmlns:mc="http://schemas.openxmlformats.org/markup-compatibility/2006" xmlns:p159="http://schemas.microsoft.com/office/powerpoint/2015/09/main">
+    <mc:Choice Requires="p159">
       <p:transition xmlns:p14="http://schemas.microsoft.com/office/powerpoint/2010/main" p14:dur="250">
         <p159:morph option="byObject"/>
       </p:transition>
     </mc:Choice>
-    <mc:Fallback>
+    <mc:Fallback xmlns="">
       <p:transition>
         <p:fade/>
       </p:transition>
@@ -2977,7 +2982,7 @@
           <a:p>
             <a:fld id="{38CA293C-950F-4950-8782-64A433F2B6EC}" type="datetimeFigureOut">
               <a:rPr lang="en-IN" smtClean="0"/>
-              <a:t>14-02-2025</a:t>
+              <a:t>18-02-2025</a:t>
             </a:fld>
             <a:endParaRPr lang="en-IN"/>
           </a:p>
@@ -3035,13 +3040,13 @@
   <p:clrMapOvr>
     <a:masterClrMapping/>
   </p:clrMapOvr>
-  <mc:AlternateContent xmlns:mc="http://schemas.openxmlformats.org/markup-compatibility/2006">
-    <mc:Choice xmlns:p159="http://schemas.microsoft.com/office/powerpoint/2015/09/main" Requires="p159">
+  <mc:AlternateContent xmlns:mc="http://schemas.openxmlformats.org/markup-compatibility/2006" xmlns:p159="http://schemas.microsoft.com/office/powerpoint/2015/09/main">
+    <mc:Choice Requires="p159">
       <p:transition xmlns:p14="http://schemas.microsoft.com/office/powerpoint/2010/main" p14:dur="250">
         <p159:morph option="byObject"/>
       </p:transition>
     </mc:Choice>
-    <mc:Fallback>
+    <mc:Fallback xmlns="">
       <p:transition>
         <p:fade/>
       </p:transition>
@@ -3246,7 +3251,7 @@
           <a:p>
             <a:fld id="{38CA293C-950F-4950-8782-64A433F2B6EC}" type="datetimeFigureOut">
               <a:rPr lang="en-IN" smtClean="0"/>
-              <a:t>14-02-2025</a:t>
+              <a:t>18-02-2025</a:t>
             </a:fld>
             <a:endParaRPr lang="en-IN"/>
           </a:p>
@@ -3304,13 +3309,13 @@
   <p:clrMapOvr>
     <a:masterClrMapping/>
   </p:clrMapOvr>
-  <mc:AlternateContent xmlns:mc="http://schemas.openxmlformats.org/markup-compatibility/2006">
-    <mc:Choice xmlns:p159="http://schemas.microsoft.com/office/powerpoint/2015/09/main" Requires="p159">
+  <mc:AlternateContent xmlns:mc="http://schemas.openxmlformats.org/markup-compatibility/2006" xmlns:p159="http://schemas.microsoft.com/office/powerpoint/2015/09/main">
+    <mc:Choice Requires="p159">
       <p:transition xmlns:p14="http://schemas.microsoft.com/office/powerpoint/2010/main" p14:dur="250">
         <p159:morph option="byObject"/>
       </p:transition>
     </mc:Choice>
-    <mc:Fallback>
+    <mc:Fallback xmlns="">
       <p:transition>
         <p:fade/>
       </p:transition>
@@ -3471,7 +3476,7 @@
           <a:p>
             <a:fld id="{38CA293C-950F-4950-8782-64A433F2B6EC}" type="datetimeFigureOut">
               <a:rPr lang="en-IN" smtClean="0"/>
-              <a:t>14-02-2025</a:t>
+              <a:t>18-02-2025</a:t>
             </a:fld>
             <a:endParaRPr lang="en-IN"/>
           </a:p>
@@ -3576,13 +3581,13 @@
     <p:sldLayoutId id="2147483670" r:id="rId10"/>
     <p:sldLayoutId id="2147483671" r:id="rId11"/>
   </p:sldLayoutIdLst>
-  <mc:AlternateContent xmlns:mc="http://schemas.openxmlformats.org/markup-compatibility/2006">
-    <mc:Choice xmlns:p159="http://schemas.microsoft.com/office/powerpoint/2015/09/main" Requires="p159">
+  <mc:AlternateContent xmlns:mc="http://schemas.openxmlformats.org/markup-compatibility/2006" xmlns:p159="http://schemas.microsoft.com/office/powerpoint/2015/09/main">
+    <mc:Choice Requires="p159">
       <p:transition xmlns:p14="http://schemas.microsoft.com/office/powerpoint/2010/main" p14:dur="250">
         <p159:morph option="byObject"/>
       </p:transition>
     </mc:Choice>
-    <mc:Fallback>
+    <mc:Fallback xmlns="">
       <p:transition>
         <p:fade/>
       </p:transition>
@@ -4664,7 +4669,7 @@
           <p:nvPr/>
         </p:nvPicPr>
         <p:blipFill>
-          <a:blip r:embed="rId4">
+          <a:blip r:embed="rId2">
             <a:extLst>
               <a:ext uri="{28A0092B-C50C-407E-A947-70E740481C1C}">
                 <a14:useLocalDpi xmlns:a14="http://schemas.microsoft.com/office/drawing/2010/main" val="0"/>
@@ -4685,44 +4690,6 @@
           </a:prstGeom>
         </p:spPr>
       </p:pic>
-      <p:pic>
-        <p:nvPicPr>
-          <p:cNvPr id="11" name="alone-296348">
-            <a:hlinkClick r:id="" action="ppaction://media"/>
-            <a:extLst>
-              <a:ext uri="{FF2B5EF4-FFF2-40B4-BE49-F238E27FC236}">
-                <a16:creationId xmlns:a16="http://schemas.microsoft.com/office/drawing/2014/main" id="{0EE06863-18D4-3AE6-28E6-3CB6DB3B694C}"/>
-              </a:ext>
-            </a:extLst>
-          </p:cNvPr>
-          <p:cNvPicPr>
-            <a:picLocks noChangeAspect="1"/>
-          </p:cNvPicPr>
-          <p:nvPr>
-            <a:audioFile r:link="rId2"/>
-            <p:extLst>
-              <p:ext uri="{DAA4B4D4-6D71-4841-9C94-3DE7FCFB9230}">
-                <p14:media xmlns:p14="http://schemas.microsoft.com/office/powerpoint/2010/main" r:embed="rId1"/>
-              </p:ext>
-            </p:extLst>
-          </p:nvPr>
-        </p:nvPicPr>
-        <p:blipFill>
-          <a:blip r:embed="rId5"/>
-          <a:stretch>
-            <a:fillRect/>
-          </a:stretch>
-        </p:blipFill>
-        <p:spPr>
-          <a:xfrm>
-            <a:off x="-5398826" y="5544823"/>
-            <a:ext cx="609600" cy="609600"/>
-          </a:xfrm>
-          <a:prstGeom prst="rect">
-            <a:avLst/>
-          </a:prstGeom>
-        </p:spPr>
-      </p:pic>
     </p:spTree>
     <p:extLst>
       <p:ext uri="{BB962C8B-B14F-4D97-AF65-F5344CB8AC3E}">
@@ -4733,105 +4700,18 @@
   <p:clrMapOvr>
     <a:masterClrMapping/>
   </p:clrMapOvr>
-  <mc:AlternateContent xmlns:mc="http://schemas.openxmlformats.org/markup-compatibility/2006">
-    <mc:Choice xmlns:p159="http://schemas.microsoft.com/office/powerpoint/2015/09/main" Requires="p159">
+  <mc:AlternateContent xmlns:mc="http://schemas.openxmlformats.org/markup-compatibility/2006" xmlns:p159="http://schemas.microsoft.com/office/powerpoint/2015/09/main">
+    <mc:Choice Requires="p159">
       <p:transition xmlns:p14="http://schemas.microsoft.com/office/powerpoint/2010/main" p14:dur="250" advClick="0" advTm="1000">
         <p159:morph option="byObject"/>
       </p:transition>
     </mc:Choice>
-    <mc:Fallback>
+    <mc:Fallback xmlns="">
       <p:transition advClick="0" advTm="1000">
         <p:fade/>
       </p:transition>
     </mc:Fallback>
   </mc:AlternateContent>
-  <p:timing>
-    <p:tnLst>
-      <p:par>
-        <p:cTn id="1" dur="indefinite" restart="never" nodeType="tmRoot">
-          <p:childTnLst>
-            <p:seq concurrent="1" nextAc="seek">
-              <p:cTn id="2" dur="indefinite" nodeType="mainSeq">
-                <p:childTnLst>
-                  <p:par>
-                    <p:cTn id="3" fill="hold">
-                      <p:stCondLst>
-                        <p:cond delay="indefinite"/>
-                        <p:cond evt="onBegin" delay="0">
-                          <p:tn val="2"/>
-                        </p:cond>
-                      </p:stCondLst>
-                      <p:childTnLst>
-                        <p:par>
-                          <p:cTn id="4" fill="hold">
-                            <p:stCondLst>
-                              <p:cond delay="0"/>
-                            </p:stCondLst>
-                            <p:childTnLst>
-                              <p:par>
-                                <p:cTn id="5" presetID="1" presetClass="mediacall" presetSubtype="0" fill="hold" nodeType="afterEffect">
-                                  <p:stCondLst>
-                                    <p:cond delay="0"/>
-                                  </p:stCondLst>
-                                  <p:childTnLst>
-                                    <p:cmd type="call" cmd="playFrom(0.0)">
-                                      <p:cBhvr>
-                                        <p:cTn id="6" dur="1" fill="hold"/>
-                                        <p:tgtEl>
-                                          <p:spTgt spid="11"/>
-                                        </p:tgtEl>
-                                      </p:cBhvr>
-                                    </p:cmd>
-                                  </p:childTnLst>
-                                </p:cTn>
-                              </p:par>
-                            </p:childTnLst>
-                          </p:cTn>
-                        </p:par>
-                      </p:childTnLst>
-                    </p:cTn>
-                  </p:par>
-                </p:childTnLst>
-              </p:cTn>
-              <p:prevCondLst>
-                <p:cond evt="onPrev" delay="0">
-                  <p:tgtEl>
-                    <p:sldTgt/>
-                  </p:tgtEl>
-                </p:cond>
-              </p:prevCondLst>
-              <p:nextCondLst>
-                <p:cond evt="onNext" delay="0">
-                  <p:tgtEl>
-                    <p:sldTgt/>
-                  </p:tgtEl>
-                </p:cond>
-              </p:nextCondLst>
-            </p:seq>
-            <p:audio>
-              <p:cMediaNode vol="80000" numSld="999" showWhenStopped="0">
-                <p:cTn id="7" repeatCount="indefinite" fill="hold" display="0">
-                  <p:stCondLst>
-                    <p:cond delay="indefinite"/>
-                  </p:stCondLst>
-                  <p:endCondLst>
-                    <p:cond evt="onStopAudio" delay="0">
-                      <p:tgtEl>
-                        <p:sldTgt/>
-                      </p:tgtEl>
-                    </p:cond>
-                  </p:endCondLst>
-                </p:cTn>
-                <p:tgtEl>
-                  <p:spTgt spid="11"/>
-                </p:tgtEl>
-              </p:cMediaNode>
-            </p:audio>
-          </p:childTnLst>
-        </p:cTn>
-      </p:par>
-    </p:tnLst>
-  </p:timing>
 </p:sld>
 </file>
 
@@ -5888,13 +5768,13 @@
   <p:clrMapOvr>
     <a:masterClrMapping/>
   </p:clrMapOvr>
-  <mc:AlternateContent xmlns:mc="http://schemas.openxmlformats.org/markup-compatibility/2006">
-    <mc:Choice xmlns:p159="http://schemas.microsoft.com/office/powerpoint/2015/09/main" Requires="p159">
+  <mc:AlternateContent xmlns:mc="http://schemas.openxmlformats.org/markup-compatibility/2006" xmlns:p159="http://schemas.microsoft.com/office/powerpoint/2015/09/main">
+    <mc:Choice Requires="p159">
       <p:transition xmlns:p14="http://schemas.microsoft.com/office/powerpoint/2010/main" p14:dur="250" advClick="0" advTm="1000">
         <p159:morph option="byObject"/>
       </p:transition>
     </mc:Choice>
-    <mc:Fallback>
+    <mc:Fallback xmlns="">
       <p:transition advClick="0" advTm="1000">
         <p:fade/>
       </p:transition>
@@ -6976,13 +6856,13 @@
   <p:clrMapOvr>
     <a:masterClrMapping/>
   </p:clrMapOvr>
-  <mc:AlternateContent xmlns:mc="http://schemas.openxmlformats.org/markup-compatibility/2006">
-    <mc:Choice xmlns:p159="http://schemas.microsoft.com/office/powerpoint/2015/09/main" Requires="p159">
+  <mc:AlternateContent xmlns:mc="http://schemas.openxmlformats.org/markup-compatibility/2006" xmlns:p159="http://schemas.microsoft.com/office/powerpoint/2015/09/main">
+    <mc:Choice Requires="p159">
       <p:transition xmlns:p14="http://schemas.microsoft.com/office/powerpoint/2010/main" p14:dur="250" advClick="0" advTm="1000">
         <p159:morph option="byObject"/>
       </p:transition>
     </mc:Choice>
-    <mc:Fallback>
+    <mc:Fallback xmlns="">
       <p:transition advClick="0" advTm="1000">
         <p:fade/>
       </p:transition>
@@ -8770,13 +8650,13 @@
   <p:clrMapOvr>
     <a:masterClrMapping/>
   </p:clrMapOvr>
-  <mc:AlternateContent xmlns:mc="http://schemas.openxmlformats.org/markup-compatibility/2006">
-    <mc:Choice xmlns:p159="http://schemas.microsoft.com/office/powerpoint/2015/09/main" Requires="p159">
+  <mc:AlternateContent xmlns:mc="http://schemas.openxmlformats.org/markup-compatibility/2006" xmlns:p159="http://schemas.microsoft.com/office/powerpoint/2015/09/main">
+    <mc:Choice Requires="p159">
       <p:transition xmlns:p14="http://schemas.microsoft.com/office/powerpoint/2010/main" p14:dur="250" advClick="0" advTm="1000">
         <p159:morph option="byObject"/>
       </p:transition>
     </mc:Choice>
-    <mc:Fallback>
+    <mc:Fallback xmlns="">
       <p:transition advClick="0" advTm="1000">
         <p:fade/>
       </p:transition>
@@ -10611,13 +10491,13 @@
   <p:clrMapOvr>
     <a:masterClrMapping/>
   </p:clrMapOvr>
-  <mc:AlternateContent xmlns:mc="http://schemas.openxmlformats.org/markup-compatibility/2006">
-    <mc:Choice xmlns:p159="http://schemas.microsoft.com/office/powerpoint/2015/09/main" Requires="p159">
+  <mc:AlternateContent xmlns:mc="http://schemas.openxmlformats.org/markup-compatibility/2006" xmlns:p159="http://schemas.microsoft.com/office/powerpoint/2015/09/main">
+    <mc:Choice Requires="p159">
       <p:transition xmlns:p14="http://schemas.microsoft.com/office/powerpoint/2010/main" p14:dur="250" advClick="0" advTm="1000">
         <p159:morph option="byObject"/>
       </p:transition>
     </mc:Choice>
-    <mc:Fallback>
+    <mc:Fallback xmlns="">
       <p:transition advClick="0" advTm="1000">
         <p:fade/>
       </p:transition>
@@ -12590,13 +12470,13 @@
   <p:clrMapOvr>
     <a:masterClrMapping/>
   </p:clrMapOvr>
-  <mc:AlternateContent xmlns:mc="http://schemas.openxmlformats.org/markup-compatibility/2006">
-    <mc:Choice xmlns:p159="http://schemas.microsoft.com/office/powerpoint/2015/09/main" Requires="p159">
+  <mc:AlternateContent xmlns:mc="http://schemas.openxmlformats.org/markup-compatibility/2006" xmlns:p159="http://schemas.microsoft.com/office/powerpoint/2015/09/main">
+    <mc:Choice Requires="p159">
       <p:transition xmlns:p14="http://schemas.microsoft.com/office/powerpoint/2010/main" p14:dur="250" advClick="0" advTm="1000">
         <p159:morph option="byObject"/>
       </p:transition>
     </mc:Choice>
-    <mc:Fallback>
+    <mc:Fallback xmlns="">
       <p:transition advClick="0" advTm="1000">
         <p:fade/>
       </p:transition>
@@ -14993,13 +14873,13 @@
   <p:clrMapOvr>
     <a:masterClrMapping/>
   </p:clrMapOvr>
-  <mc:AlternateContent xmlns:mc="http://schemas.openxmlformats.org/markup-compatibility/2006">
-    <mc:Choice xmlns:p159="http://schemas.microsoft.com/office/powerpoint/2015/09/main" Requires="p159">
+  <mc:AlternateContent xmlns:mc="http://schemas.openxmlformats.org/markup-compatibility/2006" xmlns:p159="http://schemas.microsoft.com/office/powerpoint/2015/09/main">
+    <mc:Choice Requires="p159">
       <p:transition xmlns:p14="http://schemas.microsoft.com/office/powerpoint/2010/main" p14:dur="250" advClick="0" advTm="1000">
         <p159:morph option="byObject"/>
       </p:transition>
     </mc:Choice>
-    <mc:Fallback>
+    <mc:Fallback xmlns="">
       <p:transition advClick="0" advTm="1000">
         <p:fade/>
       </p:transition>
@@ -17390,13 +17270,13 @@
   <p:clrMapOvr>
     <a:masterClrMapping/>
   </p:clrMapOvr>
-  <mc:AlternateContent xmlns:mc="http://schemas.openxmlformats.org/markup-compatibility/2006">
-    <mc:Choice xmlns:p159="http://schemas.microsoft.com/office/powerpoint/2015/09/main" Requires="p159">
+  <mc:AlternateContent xmlns:mc="http://schemas.openxmlformats.org/markup-compatibility/2006" xmlns:p159="http://schemas.microsoft.com/office/powerpoint/2015/09/main">
+    <mc:Choice Requires="p159">
       <p:transition xmlns:p14="http://schemas.microsoft.com/office/powerpoint/2010/main" p14:dur="250" advClick="0" advTm="1000">
         <p159:morph option="byObject"/>
       </p:transition>
     </mc:Choice>
-    <mc:Fallback>
+    <mc:Fallback xmlns="">
       <p:transition advClick="0" advTm="1000">
         <p:fade/>
       </p:transition>
@@ -19390,13 +19270,13 @@
   <p:clrMapOvr>
     <a:masterClrMapping/>
   </p:clrMapOvr>
-  <mc:AlternateContent xmlns:mc="http://schemas.openxmlformats.org/markup-compatibility/2006">
-    <mc:Choice xmlns:p159="http://schemas.microsoft.com/office/powerpoint/2015/09/main" Requires="p159">
+  <mc:AlternateContent xmlns:mc="http://schemas.openxmlformats.org/markup-compatibility/2006" xmlns:p159="http://schemas.microsoft.com/office/powerpoint/2015/09/main">
+    <mc:Choice Requires="p159">
       <p:transition xmlns:p14="http://schemas.microsoft.com/office/powerpoint/2010/main" p14:dur="250" advClick="0" advTm="1000">
         <p159:morph option="byObject"/>
       </p:transition>
     </mc:Choice>
-    <mc:Fallback>
+    <mc:Fallback xmlns="">
       <p:transition advClick="0" advTm="1000">
         <p:fade/>
       </p:transition>
@@ -21384,13 +21264,13 @@
   <p:clrMapOvr>
     <a:masterClrMapping/>
   </p:clrMapOvr>
-  <mc:AlternateContent xmlns:mc="http://schemas.openxmlformats.org/markup-compatibility/2006">
-    <mc:Choice xmlns:p159="http://schemas.microsoft.com/office/powerpoint/2015/09/main" Requires="p159">
+  <mc:AlternateContent xmlns:mc="http://schemas.openxmlformats.org/markup-compatibility/2006" xmlns:p159="http://schemas.microsoft.com/office/powerpoint/2015/09/main">
+    <mc:Choice Requires="p159">
       <p:transition xmlns:p14="http://schemas.microsoft.com/office/powerpoint/2010/main" p14:dur="250" advClick="0" advTm="1000">
         <p159:morph option="byObject"/>
       </p:transition>
     </mc:Choice>
-    <mc:Fallback>
+    <mc:Fallback xmlns="">
       <p:transition advClick="0" advTm="1000">
         <p:fade/>
       </p:transition>
@@ -23424,13 +23304,13 @@
   <p:clrMapOvr>
     <a:masterClrMapping/>
   </p:clrMapOvr>
-  <mc:AlternateContent xmlns:mc="http://schemas.openxmlformats.org/markup-compatibility/2006">
-    <mc:Choice xmlns:p159="http://schemas.microsoft.com/office/powerpoint/2015/09/main" Requires="p159">
+  <mc:AlternateContent xmlns:mc="http://schemas.openxmlformats.org/markup-compatibility/2006" xmlns:p159="http://schemas.microsoft.com/office/powerpoint/2015/09/main">
+    <mc:Choice Requires="p159">
       <p:transition xmlns:p14="http://schemas.microsoft.com/office/powerpoint/2010/main" p14:dur="250" advClick="0" advTm="1000">
         <p159:morph option="byObject"/>
       </p:transition>
     </mc:Choice>
-    <mc:Fallback>
+    <mc:Fallback xmlns="">
       <p:transition advClick="0" advTm="1000">
         <p:fade/>
       </p:transition>
@@ -24263,13 +24143,13 @@
   <p:clrMapOvr>
     <a:masterClrMapping/>
   </p:clrMapOvr>
-  <mc:AlternateContent xmlns:mc="http://schemas.openxmlformats.org/markup-compatibility/2006">
-    <mc:Choice xmlns:p159="http://schemas.microsoft.com/office/powerpoint/2015/09/main" Requires="p159">
+  <mc:AlternateContent xmlns:mc="http://schemas.openxmlformats.org/markup-compatibility/2006" xmlns:p159="http://schemas.microsoft.com/office/powerpoint/2015/09/main">
+    <mc:Choice Requires="p159">
       <p:transition xmlns:p14="http://schemas.microsoft.com/office/powerpoint/2010/main" p14:dur="250" advClick="0" advTm="1000">
         <p159:morph option="byObject"/>
       </p:transition>
     </mc:Choice>
-    <mc:Fallback>
+    <mc:Fallback xmlns="">
       <p:transition advClick="0" advTm="1000">
         <p:fade/>
       </p:transition>
@@ -26651,13 +26531,13 @@
   <p:clrMapOvr>
     <a:masterClrMapping/>
   </p:clrMapOvr>
-  <mc:AlternateContent xmlns:mc="http://schemas.openxmlformats.org/markup-compatibility/2006">
-    <mc:Choice xmlns:p159="http://schemas.microsoft.com/office/powerpoint/2015/09/main" Requires="p159">
+  <mc:AlternateContent xmlns:mc="http://schemas.openxmlformats.org/markup-compatibility/2006" xmlns:p159="http://schemas.microsoft.com/office/powerpoint/2015/09/main">
+    <mc:Choice Requires="p159">
       <p:transition xmlns:p14="http://schemas.microsoft.com/office/powerpoint/2010/main" p14:dur="250" advClick="0" advTm="1000">
         <p159:morph option="byObject"/>
       </p:transition>
     </mc:Choice>
-    <mc:Fallback>
+    <mc:Fallback xmlns="">
       <p:transition advClick="0" advTm="1000">
         <p:fade/>
       </p:transition>
@@ -29018,13 +28898,13 @@
   <p:clrMapOvr>
     <a:masterClrMapping/>
   </p:clrMapOvr>
-  <mc:AlternateContent xmlns:mc="http://schemas.openxmlformats.org/markup-compatibility/2006">
-    <mc:Choice xmlns:p159="http://schemas.microsoft.com/office/powerpoint/2015/09/main" Requires="p159">
+  <mc:AlternateContent xmlns:mc="http://schemas.openxmlformats.org/markup-compatibility/2006" xmlns:p159="http://schemas.microsoft.com/office/powerpoint/2015/09/main">
+    <mc:Choice Requires="p159">
       <p:transition xmlns:p14="http://schemas.microsoft.com/office/powerpoint/2010/main" p14:dur="250" advClick="0" advTm="1000">
         <p159:morph option="byObject"/>
       </p:transition>
     </mc:Choice>
-    <mc:Fallback>
+    <mc:Fallback xmlns="">
       <p:transition advClick="0" advTm="1000">
         <p:fade/>
       </p:transition>
@@ -31646,13 +31526,13 @@
   <p:clrMapOvr>
     <a:masterClrMapping/>
   </p:clrMapOvr>
-  <mc:AlternateContent xmlns:mc="http://schemas.openxmlformats.org/markup-compatibility/2006">
-    <mc:Choice xmlns:p159="http://schemas.microsoft.com/office/powerpoint/2015/09/main" Requires="p159">
+  <mc:AlternateContent xmlns:mc="http://schemas.openxmlformats.org/markup-compatibility/2006" xmlns:p159="http://schemas.microsoft.com/office/powerpoint/2015/09/main">
+    <mc:Choice Requires="p159">
       <p:transition xmlns:p14="http://schemas.microsoft.com/office/powerpoint/2010/main" p14:dur="250" advClick="0" advTm="1000">
         <p159:morph option="byObject"/>
       </p:transition>
     </mc:Choice>
-    <mc:Fallback>
+    <mc:Fallback xmlns="">
       <p:transition advClick="0" advTm="1000">
         <p:fade/>
       </p:transition>
@@ -34280,13 +34160,13 @@
   <p:clrMapOvr>
     <a:masterClrMapping/>
   </p:clrMapOvr>
-  <mc:AlternateContent xmlns:mc="http://schemas.openxmlformats.org/markup-compatibility/2006">
-    <mc:Choice xmlns:p159="http://schemas.microsoft.com/office/powerpoint/2015/09/main" Requires="p159">
+  <mc:AlternateContent xmlns:mc="http://schemas.openxmlformats.org/markup-compatibility/2006" xmlns:p159="http://schemas.microsoft.com/office/powerpoint/2015/09/main">
+    <mc:Choice Requires="p159">
       <p:transition xmlns:p14="http://schemas.microsoft.com/office/powerpoint/2010/main" p14:dur="250" advClick="0" advTm="1000">
         <p159:morph option="byObject"/>
       </p:transition>
     </mc:Choice>
-    <mc:Fallback>
+    <mc:Fallback xmlns="">
       <p:transition advClick="0" advTm="1000">
         <p:fade/>
       </p:transition>
@@ -36074,13 +35954,13 @@
   <p:clrMapOvr>
     <a:masterClrMapping/>
   </p:clrMapOvr>
-  <mc:AlternateContent xmlns:mc="http://schemas.openxmlformats.org/markup-compatibility/2006">
-    <mc:Choice xmlns:p159="http://schemas.microsoft.com/office/powerpoint/2015/09/main" Requires="p159">
+  <mc:AlternateContent xmlns:mc="http://schemas.openxmlformats.org/markup-compatibility/2006" xmlns:p159="http://schemas.microsoft.com/office/powerpoint/2015/09/main">
+    <mc:Choice Requires="p159">
       <p:transition xmlns:p14="http://schemas.microsoft.com/office/powerpoint/2010/main" p14:dur="250" advClick="0" advTm="1000">
         <p159:morph option="byObject"/>
       </p:transition>
     </mc:Choice>
-    <mc:Fallback>
+    <mc:Fallback xmlns="">
       <p:transition advClick="0" advTm="1000">
         <p:fade/>
       </p:transition>
@@ -36939,13 +36819,13 @@
   <p:clrMapOvr>
     <a:masterClrMapping/>
   </p:clrMapOvr>
-  <mc:AlternateContent xmlns:mc="http://schemas.openxmlformats.org/markup-compatibility/2006">
-    <mc:Choice xmlns:p159="http://schemas.microsoft.com/office/powerpoint/2015/09/main" Requires="p159">
+  <mc:AlternateContent xmlns:mc="http://schemas.openxmlformats.org/markup-compatibility/2006" xmlns:p159="http://schemas.microsoft.com/office/powerpoint/2015/09/main">
+    <mc:Choice Requires="p159">
       <p:transition xmlns:p14="http://schemas.microsoft.com/office/powerpoint/2010/main" p14:dur="250" advClick="0" advTm="1000">
         <p159:morph option="byObject"/>
       </p:transition>
     </mc:Choice>
-    <mc:Fallback>
+    <mc:Fallback xmlns="">
       <p:transition advClick="0" advTm="1000">
         <p:fade/>
       </p:transition>
@@ -37809,13 +37689,13 @@
   <p:clrMapOvr>
     <a:masterClrMapping/>
   </p:clrMapOvr>
-  <mc:AlternateContent xmlns:mc="http://schemas.openxmlformats.org/markup-compatibility/2006">
-    <mc:Choice xmlns:p159="http://schemas.microsoft.com/office/powerpoint/2015/09/main" Requires="p159">
+  <mc:AlternateContent xmlns:mc="http://schemas.openxmlformats.org/markup-compatibility/2006" xmlns:p159="http://schemas.microsoft.com/office/powerpoint/2015/09/main">
+    <mc:Choice Requires="p159">
       <p:transition xmlns:p14="http://schemas.microsoft.com/office/powerpoint/2010/main" p14:dur="250" advClick="0" advTm="1000">
         <p159:morph option="byObject"/>
       </p:transition>
     </mc:Choice>
-    <mc:Fallback>
+    <mc:Fallback xmlns="">
       <p:transition advClick="0" advTm="1000">
         <p:fade/>
       </p:transition>
@@ -38706,13 +38586,13 @@
   <p:clrMapOvr>
     <a:masterClrMapping/>
   </p:clrMapOvr>
-  <mc:AlternateContent xmlns:mc="http://schemas.openxmlformats.org/markup-compatibility/2006">
-    <mc:Choice xmlns:p159="http://schemas.microsoft.com/office/powerpoint/2015/09/main" Requires="p159">
+  <mc:AlternateContent xmlns:mc="http://schemas.openxmlformats.org/markup-compatibility/2006" xmlns:p159="http://schemas.microsoft.com/office/powerpoint/2015/09/main">
+    <mc:Choice Requires="p159">
       <p:transition xmlns:p14="http://schemas.microsoft.com/office/powerpoint/2010/main" p14:dur="250" advClick="0" advTm="1000">
         <p159:morph option="byObject"/>
       </p:transition>
     </mc:Choice>
-    <mc:Fallback>
+    <mc:Fallback xmlns="">
       <p:transition advClick="0" advTm="1000">
         <p:fade/>
       </p:transition>
@@ -39630,13 +39510,13 @@
   <p:clrMapOvr>
     <a:masterClrMapping/>
   </p:clrMapOvr>
-  <mc:AlternateContent xmlns:mc="http://schemas.openxmlformats.org/markup-compatibility/2006">
-    <mc:Choice xmlns:p159="http://schemas.microsoft.com/office/powerpoint/2015/09/main" Requires="p159">
+  <mc:AlternateContent xmlns:mc="http://schemas.openxmlformats.org/markup-compatibility/2006" xmlns:p159="http://schemas.microsoft.com/office/powerpoint/2015/09/main">
+    <mc:Choice Requires="p159">
       <p:transition xmlns:p14="http://schemas.microsoft.com/office/powerpoint/2010/main" p14:dur="250" advClick="0" advTm="1000">
         <p159:morph option="byObject"/>
       </p:transition>
     </mc:Choice>
-    <mc:Fallback>
+    <mc:Fallback xmlns="">
       <p:transition advClick="0" advTm="1000">
         <p:fade/>
       </p:transition>
@@ -40568,13 +40448,13 @@
   <p:clrMapOvr>
     <a:masterClrMapping/>
   </p:clrMapOvr>
-  <mc:AlternateContent xmlns:mc="http://schemas.openxmlformats.org/markup-compatibility/2006">
-    <mc:Choice xmlns:p159="http://schemas.microsoft.com/office/powerpoint/2015/09/main" Requires="p159">
+  <mc:AlternateContent xmlns:mc="http://schemas.openxmlformats.org/markup-compatibility/2006" xmlns:p159="http://schemas.microsoft.com/office/powerpoint/2015/09/main">
+    <mc:Choice Requires="p159">
       <p:transition xmlns:p14="http://schemas.microsoft.com/office/powerpoint/2010/main" p14:dur="250" advClick="0" advTm="1000">
         <p159:morph option="byObject"/>
       </p:transition>
     </mc:Choice>
-    <mc:Fallback>
+    <mc:Fallback xmlns="">
       <p:transition advClick="0" advTm="1000">
         <p:fade/>
       </p:transition>
@@ -41549,13 +41429,13 @@
   <p:clrMapOvr>
     <a:masterClrMapping/>
   </p:clrMapOvr>
-  <mc:AlternateContent xmlns:mc="http://schemas.openxmlformats.org/markup-compatibility/2006">
-    <mc:Choice xmlns:p159="http://schemas.microsoft.com/office/powerpoint/2015/09/main" Requires="p159">
+  <mc:AlternateContent xmlns:mc="http://schemas.openxmlformats.org/markup-compatibility/2006" xmlns:p159="http://schemas.microsoft.com/office/powerpoint/2015/09/main">
+    <mc:Choice Requires="p159">
       <p:transition xmlns:p14="http://schemas.microsoft.com/office/powerpoint/2010/main" p14:dur="250" advClick="0" advTm="1000">
         <p159:morph option="byObject"/>
       </p:transition>
     </mc:Choice>
-    <mc:Fallback>
+    <mc:Fallback xmlns="">
       <p:transition advClick="0" advTm="1000">
         <p:fade/>
       </p:transition>
@@ -42576,13 +42456,13 @@
   <p:clrMapOvr>
     <a:masterClrMapping/>
   </p:clrMapOvr>
-  <mc:AlternateContent xmlns:mc="http://schemas.openxmlformats.org/markup-compatibility/2006">
-    <mc:Choice xmlns:p159="http://schemas.microsoft.com/office/powerpoint/2015/09/main" Requires="p159">
+  <mc:AlternateContent xmlns:mc="http://schemas.openxmlformats.org/markup-compatibility/2006" xmlns:p159="http://schemas.microsoft.com/office/powerpoint/2015/09/main">
+    <mc:Choice Requires="p159">
       <p:transition xmlns:p14="http://schemas.microsoft.com/office/powerpoint/2010/main" p14:dur="250" advClick="0" advTm="1000">
         <p159:morph option="byObject"/>
       </p:transition>
     </mc:Choice>
-    <mc:Fallback>
+    <mc:Fallback xmlns="">
       <p:transition advClick="0" advTm="1000">
         <p:fade/>
       </p:transition>
